--- a/Dynamo/Menegotto_Apresentação_SINGEURB.pptx
+++ b/Dynamo/Menegotto_Apresentação_SINGEURB.pptx
@@ -297,7 +297,7 @@
           <a:p>
             <a:fld id="{DB580698-9912-45D7-8A70-9866A5D74B9A}" type="datetimeFigureOut">
               <a:rPr lang="pt-BR" smtClean="0"/>
-              <a:t>23/11/2023</a:t>
+              <a:t>24/11/2023</a:t>
             </a:fld>
             <a:endParaRPr lang="pt-BR" dirty="0"/>
           </a:p>
@@ -359,7 +359,7 @@
           <a:p>
             <a:fld id="{9A7F7355-3D48-4FA1-A80E-21F805ED7B98}" type="slidenum">
               <a:rPr lang="pt-BR" smtClean="0"/>
-              <a:t>‹#›</a:t>
+              <a:t>‹nº›</a:t>
             </a:fld>
             <a:endParaRPr lang="pt-BR"/>
           </a:p>
@@ -527,7 +527,7 @@
           <a:p>
             <a:fld id="{DB580698-9912-45D7-8A70-9866A5D74B9A}" type="datetimeFigureOut">
               <a:rPr lang="pt-BR" smtClean="0"/>
-              <a:t>23/11/2023</a:t>
+              <a:t>24/11/2023</a:t>
             </a:fld>
             <a:endParaRPr lang="pt-BR"/>
           </a:p>
@@ -589,7 +589,7 @@
           <a:p>
             <a:fld id="{9A7F7355-3D48-4FA1-A80E-21F805ED7B98}" type="slidenum">
               <a:rPr lang="pt-BR" smtClean="0"/>
-              <a:t>‹#›</a:t>
+              <a:t>‹nº›</a:t>
             </a:fld>
             <a:endParaRPr lang="pt-BR"/>
           </a:p>
@@ -757,7 +757,7 @@
           <a:p>
             <a:fld id="{DB580698-9912-45D7-8A70-9866A5D74B9A}" type="datetimeFigureOut">
               <a:rPr lang="pt-BR" smtClean="0"/>
-              <a:t>23/11/2023</a:t>
+              <a:t>24/11/2023</a:t>
             </a:fld>
             <a:endParaRPr lang="pt-BR"/>
           </a:p>
@@ -819,7 +819,7 @@
           <a:p>
             <a:fld id="{9A7F7355-3D48-4FA1-A80E-21F805ED7B98}" type="slidenum">
               <a:rPr lang="pt-BR" smtClean="0"/>
-              <a:t>‹#›</a:t>
+              <a:t>‹nº›</a:t>
             </a:fld>
             <a:endParaRPr lang="pt-BR"/>
           </a:p>
@@ -987,7 +987,7 @@
           <a:p>
             <a:fld id="{DB580698-9912-45D7-8A70-9866A5D74B9A}" type="datetimeFigureOut">
               <a:rPr lang="pt-BR" smtClean="0"/>
-              <a:t>23/11/2023</a:t>
+              <a:t>24/11/2023</a:t>
             </a:fld>
             <a:endParaRPr lang="pt-BR"/>
           </a:p>
@@ -1049,7 +1049,7 @@
           <a:p>
             <a:fld id="{9A7F7355-3D48-4FA1-A80E-21F805ED7B98}" type="slidenum">
               <a:rPr lang="pt-BR" smtClean="0"/>
-              <a:t>‹#›</a:t>
+              <a:t>‹nº›</a:t>
             </a:fld>
             <a:endParaRPr lang="pt-BR"/>
           </a:p>
@@ -1284,7 +1284,7 @@
           <a:p>
             <a:fld id="{DB580698-9912-45D7-8A70-9866A5D74B9A}" type="datetimeFigureOut">
               <a:rPr lang="pt-BR" smtClean="0"/>
-              <a:t>23/11/2023</a:t>
+              <a:t>24/11/2023</a:t>
             </a:fld>
             <a:endParaRPr lang="pt-BR"/>
           </a:p>
@@ -1346,7 +1346,7 @@
           <a:p>
             <a:fld id="{9A7F7355-3D48-4FA1-A80E-21F805ED7B98}" type="slidenum">
               <a:rPr lang="pt-BR" smtClean="0"/>
-              <a:t>‹#›</a:t>
+              <a:t>‹nº›</a:t>
             </a:fld>
             <a:endParaRPr lang="pt-BR"/>
           </a:p>
@@ -1579,7 +1579,7 @@
           <a:p>
             <a:fld id="{DB580698-9912-45D7-8A70-9866A5D74B9A}" type="datetimeFigureOut">
               <a:rPr lang="pt-BR" smtClean="0"/>
-              <a:t>23/11/2023</a:t>
+              <a:t>24/11/2023</a:t>
             </a:fld>
             <a:endParaRPr lang="pt-BR"/>
           </a:p>
@@ -1641,7 +1641,7 @@
           <a:p>
             <a:fld id="{9A7F7355-3D48-4FA1-A80E-21F805ED7B98}" type="slidenum">
               <a:rPr lang="pt-BR" smtClean="0"/>
-              <a:t>‹#›</a:t>
+              <a:t>‹nº›</a:t>
             </a:fld>
             <a:endParaRPr lang="pt-BR"/>
           </a:p>
@@ -2022,7 +2022,7 @@
           <a:p>
             <a:fld id="{DB580698-9912-45D7-8A70-9866A5D74B9A}" type="datetimeFigureOut">
               <a:rPr lang="pt-BR" smtClean="0"/>
-              <a:t>23/11/2023</a:t>
+              <a:t>24/11/2023</a:t>
             </a:fld>
             <a:endParaRPr lang="pt-BR"/>
           </a:p>
@@ -2084,7 +2084,7 @@
           <a:p>
             <a:fld id="{9A7F7355-3D48-4FA1-A80E-21F805ED7B98}" type="slidenum">
               <a:rPr lang="pt-BR" smtClean="0"/>
-              <a:t>‹#›</a:t>
+              <a:t>‹nº›</a:t>
             </a:fld>
             <a:endParaRPr lang="pt-BR"/>
           </a:p>
@@ -2187,7 +2187,7 @@
           <a:p>
             <a:fld id="{DB580698-9912-45D7-8A70-9866A5D74B9A}" type="datetimeFigureOut">
               <a:rPr lang="pt-BR" smtClean="0"/>
-              <a:t>23/11/2023</a:t>
+              <a:t>24/11/2023</a:t>
             </a:fld>
             <a:endParaRPr lang="pt-BR"/>
           </a:p>
@@ -2249,7 +2249,7 @@
           <a:p>
             <a:fld id="{9A7F7355-3D48-4FA1-A80E-21F805ED7B98}" type="slidenum">
               <a:rPr lang="pt-BR" smtClean="0"/>
-              <a:t>‹#›</a:t>
+              <a:t>‹nº›</a:t>
             </a:fld>
             <a:endParaRPr lang="pt-BR"/>
           </a:p>
@@ -2316,7 +2316,7 @@
           <a:p>
             <a:fld id="{DB580698-9912-45D7-8A70-9866A5D74B9A}" type="datetimeFigureOut">
               <a:rPr lang="pt-BR" smtClean="0"/>
-              <a:t>23/11/2023</a:t>
+              <a:t>24/11/2023</a:t>
             </a:fld>
             <a:endParaRPr lang="pt-BR"/>
           </a:p>
@@ -2378,7 +2378,7 @@
           <a:p>
             <a:fld id="{9A7F7355-3D48-4FA1-A80E-21F805ED7B98}" type="slidenum">
               <a:rPr lang="pt-BR" smtClean="0"/>
-              <a:t>‹#›</a:t>
+              <a:t>‹nº›</a:t>
             </a:fld>
             <a:endParaRPr lang="pt-BR"/>
           </a:p>
@@ -2652,7 +2652,7 @@
           <a:p>
             <a:fld id="{DB580698-9912-45D7-8A70-9866A5D74B9A}" type="datetimeFigureOut">
               <a:rPr lang="pt-BR" smtClean="0"/>
-              <a:t>23/11/2023</a:t>
+              <a:t>24/11/2023</a:t>
             </a:fld>
             <a:endParaRPr lang="pt-BR"/>
           </a:p>
@@ -2714,7 +2714,7 @@
           <a:p>
             <a:fld id="{9A7F7355-3D48-4FA1-A80E-21F805ED7B98}" type="slidenum">
               <a:rPr lang="pt-BR" smtClean="0"/>
-              <a:t>‹#›</a:t>
+              <a:t>‹nº›</a:t>
             </a:fld>
             <a:endParaRPr lang="pt-BR"/>
           </a:p>
@@ -2965,7 +2965,7 @@
           <a:p>
             <a:fld id="{DB580698-9912-45D7-8A70-9866A5D74B9A}" type="datetimeFigureOut">
               <a:rPr lang="pt-BR" smtClean="0"/>
-              <a:t>23/11/2023</a:t>
+              <a:t>24/11/2023</a:t>
             </a:fld>
             <a:endParaRPr lang="pt-BR"/>
           </a:p>
@@ -3027,7 +3027,7 @@
           <a:p>
             <a:fld id="{9A7F7355-3D48-4FA1-A80E-21F805ED7B98}" type="slidenum">
               <a:rPr lang="pt-BR" smtClean="0"/>
-              <a:t>‹#›</a:t>
+              <a:t>‹nº›</a:t>
             </a:fld>
             <a:endParaRPr lang="pt-BR"/>
           </a:p>
@@ -3146,7 +3146,7 @@
           <a:p>
             <a:fld id="{9A7F7355-3D48-4FA1-A80E-21F805ED7B98}" type="slidenum">
               <a:rPr lang="pt-BR" smtClean="0"/>
-              <a:t>‹#›</a:t>
+              <a:t>‹nº›</a:t>
             </a:fld>
             <a:endParaRPr lang="pt-BR"/>
           </a:p>
@@ -4540,8 +4540,8 @@
         </p:blipFill>
         <p:spPr>
           <a:xfrm>
-            <a:off x="619526" y="1855478"/>
-            <a:ext cx="10952947" cy="3147044"/>
+            <a:off x="912436" y="1939638"/>
+            <a:ext cx="10367128" cy="2978724"/>
           </a:xfrm>
           <a:prstGeom prst="rect">
             <a:avLst/>
@@ -6351,8 +6351,8 @@
         </p:nvSpPr>
         <p:spPr>
           <a:xfrm>
-            <a:off x="2300730" y="674120"/>
-            <a:ext cx="7590539" cy="5632311"/>
+            <a:off x="1750243" y="948440"/>
+            <a:ext cx="8691513" cy="5355312"/>
           </a:xfrm>
           <a:prstGeom prst="rect">
             <a:avLst/>
@@ -6360,7 +6360,7 @@
           <a:noFill/>
         </p:spPr>
         <p:txBody>
-          <a:bodyPr wrap="none" rtlCol="0">
+          <a:bodyPr wrap="square" rtlCol="0">
             <a:spAutoFit/>
           </a:bodyPr>
           <a:lstStyle/>
@@ -6368,7 +6368,7 @@
             <a:pPr algn="ctr"/>
             <a:r>
               <a:rPr lang="pt-BR" b="1" dirty="0"/>
-              <a:t>CONSTRUIR ONTOLOGIAS PARA TER AS BASES DE CONHECIMENTOS </a:t>
+              <a:t>CONSTRUIR ONTOLOGIAS PARA TER BASES DE CONHECIMENTOS </a:t>
             </a:r>
             <a:br>
               <a:rPr lang="pt-BR" b="1" dirty="0"/>
@@ -6383,7 +6383,7 @@
                   <a:srgbClr val="C00000"/>
                 </a:solidFill>
               </a:rPr>
-              <a:t>O PROJETO</a:t>
+              <a:t>O PROJETOS</a:t>
             </a:r>
           </a:p>
           <a:p>
@@ -6394,14 +6394,22 @@
             <a:pPr algn="ctr"/>
             <a:r>
               <a:rPr lang="pt-BR" b="1" dirty="0"/>
-              <a:t>CONSTRUIR ONTOLOGIAS AS-BUILT PARA TER AS BASES DE CONHECIMENTOS </a:t>
+              <a:t>CONSTRUIR ONTOLOGIAS </a:t>
+            </a:r>
+            <a:r>
+              <a:rPr lang="pt-BR" b="1" i="1" dirty="0"/>
+              <a:t>AS-BUILT</a:t>
+            </a:r>
+            <a:r>
+              <a:rPr lang="pt-BR" b="1" dirty="0"/>
+              <a:t> PARA TER BASES DE CONHECIMENTOS </a:t>
             </a:r>
             <a:br>
               <a:rPr lang="pt-BR" b="1" dirty="0"/>
             </a:br>
             <a:r>
               <a:rPr lang="pt-BR" b="1" dirty="0"/>
-              <a:t>INICIAIS USADAS PARA DURANTE O </a:t>
+              <a:t>USADAS DURANTE TODO O </a:t>
             </a:r>
             <a:r>
               <a:rPr lang="pt-BR" b="1" dirty="0">
@@ -6409,7 +6417,7 @@
                   <a:srgbClr val="C00000"/>
                 </a:solidFill>
               </a:rPr>
-              <a:t>CICLO DE VIDA</a:t>
+              <a:t>CICLO DE VIDA DA EDIFICAÇÃO</a:t>
             </a:r>
           </a:p>
           <a:p>
@@ -6435,7 +6443,7 @@
                   <a:srgbClr val="C00000"/>
                 </a:solidFill>
               </a:rPr>
-              <a:t>AQUISIÇÃO DE CONHECIMENTOS</a:t>
+              <a:t>FORMALIZAÇÃO DE CONHECIMENTOS</a:t>
             </a:r>
           </a:p>
           <a:p>
@@ -6464,7 +6472,7 @@
             <a:pPr algn="ctr"/>
             <a:r>
               <a:rPr lang="pt-BR" b="1" dirty="0"/>
-              <a:t>DE CONHECIMENTOS NO PARADIGMA DE </a:t>
+              <a:t>DOS CONHECIMENTOS ESTABELECIDOS NO PARADIGMA DE </a:t>
             </a:r>
           </a:p>
           <a:p>
@@ -6477,14 +6485,6 @@
               </a:rPr>
               <a:t>OPEN LINKED DATA</a:t>
             </a:r>
-          </a:p>
-          <a:p>
-            <a:pPr algn="ctr"/>
-            <a:endParaRPr lang="pt-BR" b="1" dirty="0">
-              <a:solidFill>
-                <a:srgbClr val="C00000"/>
-              </a:solidFill>
-            </a:endParaRPr>
           </a:p>
           <a:p>
             <a:pPr algn="ctr"/>
@@ -6683,8 +6683,8 @@
         </p:nvSpPr>
         <p:spPr>
           <a:xfrm>
-            <a:off x="3164749" y="990493"/>
-            <a:ext cx="5862502" cy="5447645"/>
+            <a:off x="2553578" y="674120"/>
+            <a:ext cx="7084844" cy="6001643"/>
           </a:xfrm>
           <a:prstGeom prst="rect">
             <a:avLst/>
@@ -6692,7 +6692,7 @@
           <a:noFill/>
         </p:spPr>
         <p:txBody>
-          <a:bodyPr wrap="none" rtlCol="0">
+          <a:bodyPr wrap="square" rtlCol="0">
             <a:spAutoFit/>
           </a:bodyPr>
           <a:lstStyle/>
@@ -6831,8 +6831,37 @@
                 <a:ea typeface="Calibri" panose="020F0502020204030204" pitchFamily="34" charset="0"/>
                 <a:cs typeface="Times New Roman" panose="02020603050405020304" pitchFamily="18" charset="0"/>
               </a:rPr>
-              <a:t>Comprometimento ontológico mínimo</a:t>
-            </a:r>
+              <a:t>Comprometimento ontológico mínimo </a:t>
+            </a:r>
+            <a:r>
+              <a:rPr lang="pt-BR" sz="1800" b="1" dirty="0">
+                <a:solidFill>
+                  <a:srgbClr val="000000"/>
+                </a:solidFill>
+                <a:effectLst/>
+                <a:latin typeface="Century Gothic" panose="020B0502020202020204" pitchFamily="34" charset="0"/>
+                <a:ea typeface="Calibri" panose="020F0502020204030204" pitchFamily="34" charset="0"/>
+                <a:cs typeface="Times New Roman" panose="02020603050405020304" pitchFamily="18" charset="0"/>
+              </a:rPr>
+              <a:t>(T. Gruber)</a:t>
+            </a:r>
+          </a:p>
+          <a:p>
+            <a:pPr algn="ctr"/>
+            <a:r>
+              <a:rPr lang="pt-BR" b="1" i="1" dirty="0">
+                <a:latin typeface="Century Gothic" panose="020B0502020202020204" pitchFamily="34" charset="0"/>
+                <a:ea typeface="Calibri" panose="020F0502020204030204" pitchFamily="34" charset="0"/>
+                <a:cs typeface="Times New Roman" panose="02020603050405020304" pitchFamily="18" charset="0"/>
+              </a:rPr>
+              <a:t>---------------------------------------------</a:t>
+            </a:r>
+            <a:endParaRPr lang="pt-BR" sz="1800" b="1" i="1" dirty="0">
+              <a:effectLst/>
+              <a:latin typeface="Century Gothic" panose="020B0502020202020204" pitchFamily="34" charset="0"/>
+              <a:ea typeface="Calibri" panose="020F0502020204030204" pitchFamily="34" charset="0"/>
+              <a:cs typeface="Times New Roman" panose="02020603050405020304" pitchFamily="18" charset="0"/>
+            </a:endParaRPr>
           </a:p>
           <a:p>
             <a:pPr algn="ctr"/>
@@ -6844,6 +6873,9 @@
               </a:rPr>
               <a:t>Realismo (B. Smith)</a:t>
             </a:r>
+          </a:p>
+          <a:p>
+            <a:pPr algn="ctr"/>
             <a:endParaRPr lang="pt-BR" sz="1800" b="1" i="1" dirty="0">
               <a:solidFill>
                 <a:srgbClr val="000000"/>
@@ -6877,7 +6909,7 @@
                 <a:effectLst/>
                 <a:latin typeface="OpenSans-Regular"/>
               </a:rPr>
-              <a:t>essencial / acidental </a:t>
+              <a:t>permanente / acidental </a:t>
             </a:r>
           </a:p>
           <a:p>
@@ -7557,7 +7589,7 @@
         <p:spPr>
           <a:xfrm>
             <a:off x="681318" y="304788"/>
-            <a:ext cx="4033861" cy="369332"/>
+            <a:ext cx="4574586" cy="369332"/>
           </a:xfrm>
           <a:prstGeom prst="rect">
             <a:avLst/>
@@ -7576,7 +7608,7 @@
                   <a:srgbClr val="C00000"/>
                 </a:solidFill>
               </a:rPr>
-              <a:t>AS PLANILHAS -  GERAIS DA ONTOLOGIA</a:t>
+              <a:t>AS PLANILHAS -  METADADOS DA ONTOLOGIA</a:t>
             </a:r>
             <a:endParaRPr lang="es-ES" b="1" dirty="0">
               <a:solidFill>
@@ -8220,15 +8252,7 @@
                   <a:srgbClr val="C00000"/>
                 </a:solidFill>
               </a:rPr>
-              <a:t>Data </a:t>
-            </a:r>
-            <a:r>
-              <a:rPr lang="pt-BR" b="1" dirty="0" err="1">
-                <a:solidFill>
-                  <a:srgbClr val="C00000"/>
-                </a:solidFill>
-              </a:rPr>
-              <a:t>Prop</a:t>
+              <a:t>Data Prop</a:t>
             </a:r>
             <a:endParaRPr lang="es-ES" b="1" dirty="0">
               <a:solidFill>
@@ -8452,28 +8476,12 @@
           <a:lstStyle/>
           <a:p>
             <a:r>
-              <a:rPr lang="pt-BR" b="1" dirty="0" err="1">
+              <a:rPr lang="pt-BR" b="1" dirty="0">
                 <a:solidFill>
                   <a:srgbClr val="C00000"/>
                 </a:solidFill>
               </a:rPr>
-              <a:t>Object</a:t>
-            </a:r>
-            <a:r>
-              <a:rPr lang="pt-BR" b="1" dirty="0">
-                <a:solidFill>
-                  <a:srgbClr val="C00000"/>
-                </a:solidFill>
-              </a:rPr>
-              <a:t>  </a:t>
-            </a:r>
-            <a:r>
-              <a:rPr lang="pt-BR" b="1" dirty="0" err="1">
-                <a:solidFill>
-                  <a:srgbClr val="C00000"/>
-                </a:solidFill>
-              </a:rPr>
-              <a:t>Prop</a:t>
+              <a:t>Object  Prop</a:t>
             </a:r>
             <a:endParaRPr lang="es-ES" b="1" dirty="0">
               <a:solidFill>
